--- a/slides.pptx
+++ b/slides.pptx
@@ -510,7 +510,7 @@
           <a:p>
             <a:r>
               <a:rPr lang="en-US" dirty="0"/>
-              <a:t>_background: #001f3f</a:t>
+              <a:t>_background: url('assets/bg.jpg')</a:t>
             </a:r>
             <a:endParaRPr lang="en-US" dirty="0"/>
           </a:p>
